--- a/教材/8章_CloudFrontの構築.pptx
+++ b/教材/8章_CloudFrontの構築.pptx
@@ -33,24 +33,24 @@
   <p:notesSz cx="6858000" cy="9144000"/>
   <p:embeddedFontLst>
     <p:embeddedFont>
-      <p:font typeface="BIZ UDP明朝 Medium" panose="02020500000000000000" pitchFamily="18" charset="-128"/>
+      <p:font typeface="GulimChe" panose="020B0609000101010101" pitchFamily="49" charset="-127"/>
       <p:regular r:id="rId21"/>
     </p:embeddedFont>
     <p:embeddedFont>
+      <p:font typeface="BIZ UDP明朝 Medium" panose="02020500000000000000" pitchFamily="18" charset="-128"/>
+      <p:regular r:id="rId22"/>
+    </p:embeddedFont>
+    <p:embeddedFont>
       <p:font typeface="Calibri" panose="020F0502020204030204" pitchFamily="34" charset="0"/>
-      <p:regular r:id="rId22"/>
-      <p:bold r:id="rId23"/>
-      <p:italic r:id="rId24"/>
-      <p:boldItalic r:id="rId25"/>
+      <p:regular r:id="rId23"/>
+      <p:bold r:id="rId24"/>
+      <p:italic r:id="rId25"/>
+      <p:boldItalic r:id="rId26"/>
     </p:embeddedFont>
     <p:embeddedFont>
       <p:font typeface="Calibri Light" panose="020F0302020204030204" pitchFamily="34" charset="0"/>
-      <p:regular r:id="rId26"/>
-      <p:italic r:id="rId27"/>
-    </p:embeddedFont>
-    <p:embeddedFont>
-      <p:font typeface="GulimChe" panose="020B0609000101010101" pitchFamily="49" charset="-127"/>
-      <p:regular r:id="rId28"/>
+      <p:regular r:id="rId27"/>
+      <p:italic r:id="rId28"/>
     </p:embeddedFont>
     <p:embeddedFont>
       <p:font typeface="Malgun Gothic" panose="020B0503020000020004" pitchFamily="34" charset="-127"/>
@@ -186,14 +186,6 @@
 </p:presentation>
 </file>
 
-<file path=ppt/revisionInfo.xml><?xml version="1.0" encoding="utf-8"?>
-<p1510:revInfo xmlns:a="http://schemas.openxmlformats.org/drawingml/2006/main" xmlns:r="http://schemas.openxmlformats.org/officeDocument/2006/relationships" xmlns:p1510="http://schemas.microsoft.com/office/powerpoint/2015/10/main">
-  <p1510:revLst>
-    <p1510:client id="{69AD6D4B-CCA4-4C98-91B2-026E2D8DA7F7}" v="13" dt="2023-01-18T06:28:14.220"/>
-  </p1510:revLst>
-</p1510:revInfo>
-</file>
-
 <file path=ppt/changesInfos/changesInfo1.xml><?xml version="1.0" encoding="utf-8"?>
 <pc:chgInfo xmlns:a="http://schemas.openxmlformats.org/drawingml/2006/main" xmlns:r="http://schemas.openxmlformats.org/officeDocument/2006/relationships" xmlns:ac="http://schemas.microsoft.com/office/drawing/2013/main/command" xmlns:pc="http://schemas.microsoft.com/office/powerpoint/2013/main/command">
   <pc:docChgLst>
@@ -311,6 +303,108 @@
       </pc:sldChg>
     </pc:docChg>
   </pc:docChgLst>
+  <pc:docChgLst>
+    <pc:chgData name="尾嵜 成真" userId="dd95f81a979e9056" providerId="LiveId" clId="{E2D0DC4A-C524-461A-BF96-A020BEC6255E}"/>
+    <pc:docChg chg="undo custSel modSld">
+      <pc:chgData name="尾嵜 成真" userId="dd95f81a979e9056" providerId="LiveId" clId="{E2D0DC4A-C524-461A-BF96-A020BEC6255E}" dt="2023-02-07T14:32:48.899" v="5" actId="14734"/>
+      <pc:docMkLst>
+        <pc:docMk/>
+      </pc:docMkLst>
+      <pc:sldChg chg="modSp mod">
+        <pc:chgData name="尾嵜 成真" userId="dd95f81a979e9056" providerId="LiveId" clId="{E2D0DC4A-C524-461A-BF96-A020BEC6255E}" dt="2023-02-07T14:27:44.662" v="0" actId="1076"/>
+        <pc:sldMkLst>
+          <pc:docMk/>
+          <pc:sldMk cId="3198427016" sldId="306"/>
+        </pc:sldMkLst>
+        <pc:spChg chg="mod">
+          <ac:chgData name="尾嵜 成真" userId="dd95f81a979e9056" providerId="LiveId" clId="{E2D0DC4A-C524-461A-BF96-A020BEC6255E}" dt="2023-02-07T14:27:44.662" v="0" actId="1076"/>
+          <ac:spMkLst>
+            <pc:docMk/>
+            <pc:sldMk cId="3198427016" sldId="306"/>
+            <ac:spMk id="10" creationId="{4C8D8093-D708-E46A-39FD-79BFCCF8875B}"/>
+          </ac:spMkLst>
+        </pc:spChg>
+        <pc:graphicFrameChg chg="mod">
+          <ac:chgData name="尾嵜 成真" userId="dd95f81a979e9056" providerId="LiveId" clId="{E2D0DC4A-C524-461A-BF96-A020BEC6255E}" dt="2023-02-07T14:27:44.662" v="0" actId="1076"/>
+          <ac:graphicFrameMkLst>
+            <pc:docMk/>
+            <pc:sldMk cId="3198427016" sldId="306"/>
+            <ac:graphicFrameMk id="2" creationId="{4A46E109-EF54-CBF0-8FCA-158AEC5AE535}"/>
+          </ac:graphicFrameMkLst>
+        </pc:graphicFrameChg>
+        <pc:graphicFrameChg chg="mod">
+          <ac:chgData name="尾嵜 成真" userId="dd95f81a979e9056" providerId="LiveId" clId="{E2D0DC4A-C524-461A-BF96-A020BEC6255E}" dt="2023-02-07T14:27:44.662" v="0" actId="1076"/>
+          <ac:graphicFrameMkLst>
+            <pc:docMk/>
+            <pc:sldMk cId="3198427016" sldId="306"/>
+            <ac:graphicFrameMk id="4" creationId="{F9B8FF01-FAF6-78EA-838F-9757583E8040}"/>
+          </ac:graphicFrameMkLst>
+        </pc:graphicFrameChg>
+        <pc:graphicFrameChg chg="mod">
+          <ac:chgData name="尾嵜 成真" userId="dd95f81a979e9056" providerId="LiveId" clId="{E2D0DC4A-C524-461A-BF96-A020BEC6255E}" dt="2023-02-07T14:27:44.662" v="0" actId="1076"/>
+          <ac:graphicFrameMkLst>
+            <pc:docMk/>
+            <pc:sldMk cId="3198427016" sldId="306"/>
+            <ac:graphicFrameMk id="5" creationId="{BD37686A-DCE8-BE18-07EE-C87BAC7B8406}"/>
+          </ac:graphicFrameMkLst>
+        </pc:graphicFrameChg>
+      </pc:sldChg>
+      <pc:sldChg chg="modSp mod">
+        <pc:chgData name="尾嵜 成真" userId="dd95f81a979e9056" providerId="LiveId" clId="{E2D0DC4A-C524-461A-BF96-A020BEC6255E}" dt="2023-02-07T14:28:00.350" v="1" actId="1076"/>
+        <pc:sldMkLst>
+          <pc:docMk/>
+          <pc:sldMk cId="1778224841" sldId="394"/>
+        </pc:sldMkLst>
+        <pc:spChg chg="mod">
+          <ac:chgData name="尾嵜 成真" userId="dd95f81a979e9056" providerId="LiveId" clId="{E2D0DC4A-C524-461A-BF96-A020BEC6255E}" dt="2023-02-07T14:28:00.350" v="1" actId="1076"/>
+          <ac:spMkLst>
+            <pc:docMk/>
+            <pc:sldMk cId="1778224841" sldId="394"/>
+            <ac:spMk id="10" creationId="{4C8D8093-D708-E46A-39FD-79BFCCF8875B}"/>
+          </ac:spMkLst>
+        </pc:spChg>
+        <pc:graphicFrameChg chg="mod">
+          <ac:chgData name="尾嵜 成真" userId="dd95f81a979e9056" providerId="LiveId" clId="{E2D0DC4A-C524-461A-BF96-A020BEC6255E}" dt="2023-02-07T14:28:00.350" v="1" actId="1076"/>
+          <ac:graphicFrameMkLst>
+            <pc:docMk/>
+            <pc:sldMk cId="1778224841" sldId="394"/>
+            <ac:graphicFrameMk id="7" creationId="{1536C17C-50A0-3AD8-030E-ECEF6020BB1A}"/>
+          </ac:graphicFrameMkLst>
+        </pc:graphicFrameChg>
+        <pc:graphicFrameChg chg="mod">
+          <ac:chgData name="尾嵜 成真" userId="dd95f81a979e9056" providerId="LiveId" clId="{E2D0DC4A-C524-461A-BF96-A020BEC6255E}" dt="2023-02-07T14:28:00.350" v="1" actId="1076"/>
+          <ac:graphicFrameMkLst>
+            <pc:docMk/>
+            <pc:sldMk cId="1778224841" sldId="394"/>
+            <ac:graphicFrameMk id="8" creationId="{3FB2DDC3-01FE-7F56-2E07-B573E37FB0ED}"/>
+          </ac:graphicFrameMkLst>
+        </pc:graphicFrameChg>
+        <pc:graphicFrameChg chg="mod">
+          <ac:chgData name="尾嵜 成真" userId="dd95f81a979e9056" providerId="LiveId" clId="{E2D0DC4A-C524-461A-BF96-A020BEC6255E}" dt="2023-02-07T14:28:00.350" v="1" actId="1076"/>
+          <ac:graphicFrameMkLst>
+            <pc:docMk/>
+            <pc:sldMk cId="1778224841" sldId="394"/>
+            <ac:graphicFrameMk id="9" creationId="{7373CF85-B4D4-9F92-8889-E7E4148A1054}"/>
+          </ac:graphicFrameMkLst>
+        </pc:graphicFrameChg>
+      </pc:sldChg>
+      <pc:sldChg chg="modSp mod">
+        <pc:chgData name="尾嵜 成真" userId="dd95f81a979e9056" providerId="LiveId" clId="{E2D0DC4A-C524-461A-BF96-A020BEC6255E}" dt="2023-02-07T14:32:48.899" v="5" actId="14734"/>
+        <pc:sldMkLst>
+          <pc:docMk/>
+          <pc:sldMk cId="343408756" sldId="417"/>
+        </pc:sldMkLst>
+        <pc:graphicFrameChg chg="modGraphic">
+          <ac:chgData name="尾嵜 成真" userId="dd95f81a979e9056" providerId="LiveId" clId="{E2D0DC4A-C524-461A-BF96-A020BEC6255E}" dt="2023-02-07T14:32:48.899" v="5" actId="14734"/>
+          <ac:graphicFrameMkLst>
+            <pc:docMk/>
+            <pc:sldMk cId="343408756" sldId="417"/>
+            <ac:graphicFrameMk id="2" creationId="{8A225559-C5EE-690B-AD52-91B24B51DC1A}"/>
+          </ac:graphicFrameMkLst>
+        </pc:graphicFrameChg>
+      </pc:sldChg>
+    </pc:docChg>
+  </pc:docChgLst>
 </pc:chgInfo>
 </file>
 
@@ -397,7 +491,7 @@
             <a:fld id="{D4CCFBE2-2B8D-499C-81C9-2CD5B3EB8E93}" type="datetimeFigureOut">
               <a:rPr lang="ko-KR" altLang="en-US" smtClean="0"/>
               <a:pPr/>
-              <a:t>2023-01-22</a:t>
+              <a:t>2023-02-07</a:t>
             </a:fld>
             <a:endParaRPr lang="ko-KR" altLang="en-US"/>
           </a:p>
@@ -564,7 +658,7 @@
             <a:fld id="{FB545AC5-813F-4ED1-B011-8EA17CB93331}" type="datetimeFigureOut">
               <a:rPr lang="ko-KR" altLang="en-US" smtClean="0"/>
               <a:pPr/>
-              <a:t>2023-01-22</a:t>
+              <a:t>2023-02-07</a:t>
             </a:fld>
             <a:endParaRPr lang="ko-KR" altLang="en-US"/>
           </a:p>
@@ -986,7 +1080,7 @@
             <a:fld id="{ED3D6733-6F27-4404-AB51-585418F146E5}" type="datetimeFigureOut">
               <a:rPr lang="ko-KR" altLang="en-US" smtClean="0"/>
               <a:pPr/>
-              <a:t>2023-01-22</a:t>
+              <a:t>2023-02-07</a:t>
             </a:fld>
             <a:endParaRPr lang="ko-KR" altLang="en-US"/>
           </a:p>
@@ -1171,7 +1265,7 @@
             <a:fld id="{ED3D6733-6F27-4404-AB51-585418F146E5}" type="datetimeFigureOut">
               <a:rPr lang="ko-KR" altLang="en-US" smtClean="0"/>
               <a:pPr/>
-              <a:t>2023-01-22</a:t>
+              <a:t>2023-02-07</a:t>
             </a:fld>
             <a:endParaRPr lang="ko-KR" altLang="en-US"/>
           </a:p>
@@ -1309,7 +1403,7 @@
             <a:fld id="{ED3D6733-6F27-4404-AB51-585418F146E5}" type="datetimeFigureOut">
               <a:rPr lang="ko-KR" altLang="en-US" smtClean="0"/>
               <a:pPr/>
-              <a:t>2023-01-22</a:t>
+              <a:t>2023-02-07</a:t>
             </a:fld>
             <a:endParaRPr lang="ko-KR" altLang="en-US"/>
           </a:p>
@@ -1522,7 +1616,7 @@
             <a:fld id="{ED3D6733-6F27-4404-AB51-585418F146E5}" type="datetimeFigureOut">
               <a:rPr lang="ko-KR" altLang="en-US" smtClean="0"/>
               <a:pPr/>
-              <a:t>2023-01-22</a:t>
+              <a:t>2023-02-07</a:t>
             </a:fld>
             <a:endParaRPr lang="ko-KR" altLang="en-US"/>
           </a:p>
@@ -1799,7 +1893,7 @@
             <a:fld id="{ED3D6733-6F27-4404-AB51-585418F146E5}" type="datetimeFigureOut">
               <a:rPr lang="ko-KR" altLang="en-US" smtClean="0"/>
               <a:pPr/>
-              <a:t>2023-01-22</a:t>
+              <a:t>2023-02-07</a:t>
             </a:fld>
             <a:endParaRPr lang="ko-KR" altLang="en-US"/>
           </a:p>
@@ -2122,7 +2216,7 @@
             <a:fld id="{ED3D6733-6F27-4404-AB51-585418F146E5}" type="datetimeFigureOut">
               <a:rPr lang="ko-KR" altLang="en-US" smtClean="0"/>
               <a:pPr/>
-              <a:t>2023-01-22</a:t>
+              <a:t>2023-02-07</a:t>
             </a:fld>
             <a:endParaRPr lang="ko-KR" altLang="en-US"/>
           </a:p>
@@ -2395,7 +2489,7 @@
             <a:fld id="{ED3D6733-6F27-4404-AB51-585418F146E5}" type="datetimeFigureOut">
               <a:rPr lang="ko-KR" altLang="en-US" smtClean="0"/>
               <a:pPr/>
-              <a:t>2023-01-22</a:t>
+              <a:t>2023-02-07</a:t>
             </a:fld>
             <a:endParaRPr lang="ko-KR" altLang="en-US"/>
           </a:p>
@@ -8763,14 +8857,14 @@
           <p:nvPr>
             <p:extLst>
               <p:ext uri="{D42A27DB-BD31-4B8C-83A1-F6EECF244321}">
-                <p14:modId xmlns:p14="http://schemas.microsoft.com/office/powerpoint/2010/main" val="1139100101"/>
+                <p14:modId xmlns:p14="http://schemas.microsoft.com/office/powerpoint/2010/main" val="1971997285"/>
               </p:ext>
             </p:extLst>
           </p:nvPr>
         </p:nvGraphicFramePr>
         <p:xfrm>
           <a:off x="201039" y="2276872"/>
-          <a:ext cx="8791518" cy="3359927"/>
+          <a:ext cx="8791518" cy="3074640"/>
         </p:xfrm>
         <a:graphic>
           <a:graphicData uri="http://schemas.openxmlformats.org/drawingml/2006/table">
@@ -9001,7 +9095,7 @@
                   </a:ext>
                 </a:extLst>
               </a:tr>
-              <a:tr h="883055">
+              <a:tr h="597768">
                 <a:tc>
                   <a:txBody>
                     <a:bodyPr/>
@@ -14630,7 +14724,7 @@
         </p:nvSpPr>
         <p:spPr>
           <a:xfrm>
-            <a:off x="395536" y="943485"/>
+            <a:off x="395536" y="1268760"/>
             <a:ext cx="8402525" cy="5400600"/>
           </a:xfrm>
         </p:spPr>
@@ -15092,13 +15186,13 @@
           <p:nvPr>
             <p:extLst>
               <p:ext uri="{D42A27DB-BD31-4B8C-83A1-F6EECF244321}">
-                <p14:modId xmlns:p14="http://schemas.microsoft.com/office/powerpoint/2010/main" val="3760799531"/>
+                <p14:modId xmlns:p14="http://schemas.microsoft.com/office/powerpoint/2010/main" val="1403143636"/>
               </p:ext>
             </p:extLst>
           </p:nvPr>
         </p:nvGraphicFramePr>
         <p:xfrm>
-          <a:off x="539551" y="4069542"/>
+          <a:off x="539551" y="4394817"/>
           <a:ext cx="6188631" cy="1280160"/>
         </p:xfrm>
         <a:graphic>
@@ -15900,13 +15994,13 @@
           <p:nvPr>
             <p:extLst>
               <p:ext uri="{D42A27DB-BD31-4B8C-83A1-F6EECF244321}">
-                <p14:modId xmlns:p14="http://schemas.microsoft.com/office/powerpoint/2010/main" val="2671416490"/>
+                <p14:modId xmlns:p14="http://schemas.microsoft.com/office/powerpoint/2010/main" val="1599430507"/>
               </p:ext>
             </p:extLst>
           </p:nvPr>
         </p:nvGraphicFramePr>
         <p:xfrm>
-          <a:off x="539553" y="2327989"/>
+          <a:off x="539553" y="2653264"/>
           <a:ext cx="6188631" cy="1188720"/>
         </p:xfrm>
         <a:graphic>
@@ -16861,13 +16955,13 @@
           <p:nvPr>
             <p:extLst>
               <p:ext uri="{D42A27DB-BD31-4B8C-83A1-F6EECF244321}">
-                <p14:modId xmlns:p14="http://schemas.microsoft.com/office/powerpoint/2010/main" val="2610861292"/>
+                <p14:modId xmlns:p14="http://schemas.microsoft.com/office/powerpoint/2010/main" val="97260231"/>
               </p:ext>
             </p:extLst>
           </p:nvPr>
         </p:nvGraphicFramePr>
         <p:xfrm>
-          <a:off x="539552" y="1211059"/>
+          <a:off x="539552" y="1536334"/>
           <a:ext cx="6188632" cy="548640"/>
         </p:xfrm>
         <a:graphic>
@@ -17607,7 +17701,7 @@
         </p:nvSpPr>
         <p:spPr>
           <a:xfrm>
-            <a:off x="395536" y="943485"/>
+            <a:off x="395536" y="1196752"/>
             <a:ext cx="8402525" cy="5400600"/>
           </a:xfrm>
         </p:spPr>
@@ -17909,13 +18003,13 @@
           <p:nvPr>
             <p:extLst>
               <p:ext uri="{D42A27DB-BD31-4B8C-83A1-F6EECF244321}">
-                <p14:modId xmlns:p14="http://schemas.microsoft.com/office/powerpoint/2010/main" val="813451253"/>
+                <p14:modId xmlns:p14="http://schemas.microsoft.com/office/powerpoint/2010/main" val="2491804708"/>
               </p:ext>
             </p:extLst>
           </p:nvPr>
         </p:nvGraphicFramePr>
         <p:xfrm>
-          <a:off x="539552" y="1218728"/>
+          <a:off x="539552" y="1471995"/>
           <a:ext cx="8352930" cy="1097280"/>
         </p:xfrm>
         <a:graphic>
@@ -19559,13 +19653,13 @@
           <p:nvPr>
             <p:extLst>
               <p:ext uri="{D42A27DB-BD31-4B8C-83A1-F6EECF244321}">
-                <p14:modId xmlns:p14="http://schemas.microsoft.com/office/powerpoint/2010/main" val="463698812"/>
+                <p14:modId xmlns:p14="http://schemas.microsoft.com/office/powerpoint/2010/main" val="1618423680"/>
               </p:ext>
             </p:extLst>
           </p:nvPr>
         </p:nvGraphicFramePr>
         <p:xfrm>
-          <a:off x="539552" y="2450377"/>
+          <a:off x="539552" y="2703644"/>
           <a:ext cx="8352930" cy="1097280"/>
         </p:xfrm>
         <a:graphic>
@@ -21229,13 +21323,13 @@
           <p:nvPr>
             <p:extLst>
               <p:ext uri="{D42A27DB-BD31-4B8C-83A1-F6EECF244321}">
-                <p14:modId xmlns:p14="http://schemas.microsoft.com/office/powerpoint/2010/main" val="1932966978"/>
+                <p14:modId xmlns:p14="http://schemas.microsoft.com/office/powerpoint/2010/main" val="911844974"/>
               </p:ext>
             </p:extLst>
           </p:nvPr>
         </p:nvGraphicFramePr>
         <p:xfrm>
-          <a:off x="539552" y="3669009"/>
+          <a:off x="539552" y="3922276"/>
           <a:ext cx="8352930" cy="1097280"/>
         </p:xfrm>
         <a:graphic>
